--- a/CSCI 222 PRESENTATION.pptx
+++ b/CSCI 222 PRESENTATION.pptx
@@ -5153,7 +5153,7 @@
           <a:p>
             <a:fld id="{48A87A34-81AB-432B-8DAE-1953F412C126}" type="datetimeFigureOut">
               <a:rPr lang="en-US" dirty="0"/>
-              <a:t>2/10/2018</a:t>
+              <a:t>2/11/2018</a:t>
             </a:fld>
             <a:endParaRPr lang="en-US" dirty="0"/>
           </a:p>
@@ -5415,7 +5415,7 @@
           <a:p>
             <a:fld id="{48A87A34-81AB-432B-8DAE-1953F412C126}" type="datetimeFigureOut">
               <a:rPr lang="en-US" dirty="0"/>
-              <a:t>2/10/2018</a:t>
+              <a:t>2/11/2018</a:t>
             </a:fld>
             <a:endParaRPr lang="en-US" dirty="0"/>
           </a:p>
@@ -5606,7 +5606,7 @@
           <a:p>
             <a:fld id="{48A87A34-81AB-432B-8DAE-1953F412C126}" type="datetimeFigureOut">
               <a:rPr lang="en-US" dirty="0"/>
-              <a:t>2/10/2018</a:t>
+              <a:t>2/11/2018</a:t>
             </a:fld>
             <a:endParaRPr lang="en-US" dirty="0"/>
           </a:p>
@@ -5864,7 +5864,7 @@
           <a:p>
             <a:fld id="{48A87A34-81AB-432B-8DAE-1953F412C126}" type="datetimeFigureOut">
               <a:rPr lang="en-US" dirty="0"/>
-              <a:t>2/10/2018</a:t>
+              <a:t>2/11/2018</a:t>
             </a:fld>
             <a:endParaRPr lang="en-US" dirty="0"/>
           </a:p>
@@ -6293,7 +6293,7 @@
           <a:p>
             <a:fld id="{48A87A34-81AB-432B-8DAE-1953F412C126}" type="datetimeFigureOut">
               <a:rPr lang="en-US" dirty="0"/>
-              <a:t>2/10/2018</a:t>
+              <a:t>2/11/2018</a:t>
             </a:fld>
             <a:endParaRPr lang="en-US" dirty="0"/>
           </a:p>
@@ -6834,7 +6834,7 @@
           <a:p>
             <a:fld id="{48A87A34-81AB-432B-8DAE-1953F412C126}" type="datetimeFigureOut">
               <a:rPr lang="en-US" dirty="0"/>
-              <a:t>2/10/2018</a:t>
+              <a:t>2/11/2018</a:t>
             </a:fld>
             <a:endParaRPr lang="en-US" dirty="0"/>
           </a:p>
@@ -7549,7 +7549,7 @@
           <a:p>
             <a:fld id="{48A87A34-81AB-432B-8DAE-1953F412C126}" type="datetimeFigureOut">
               <a:rPr lang="en-US" dirty="0"/>
-              <a:t>2/10/2018</a:t>
+              <a:t>2/11/2018</a:t>
             </a:fld>
             <a:endParaRPr lang="en-US" dirty="0"/>
           </a:p>
@@ -7714,7 +7714,7 @@
           <a:p>
             <a:fld id="{48A87A34-81AB-432B-8DAE-1953F412C126}" type="datetimeFigureOut">
               <a:rPr lang="en-US" dirty="0"/>
-              <a:t>2/10/2018</a:t>
+              <a:t>2/11/2018</a:t>
             </a:fld>
             <a:endParaRPr lang="en-US" dirty="0"/>
           </a:p>
@@ -7889,7 +7889,7 @@
           <a:p>
             <a:fld id="{48A87A34-81AB-432B-8DAE-1953F412C126}" type="datetimeFigureOut">
               <a:rPr lang="en-US" dirty="0"/>
-              <a:t>2/10/2018</a:t>
+              <a:t>2/11/2018</a:t>
             </a:fld>
             <a:endParaRPr lang="en-US" dirty="0"/>
           </a:p>
@@ -8054,7 +8054,7 @@
           <a:p>
             <a:fld id="{48A87A34-81AB-432B-8DAE-1953F412C126}" type="datetimeFigureOut">
               <a:rPr lang="en-US" dirty="0"/>
-              <a:t>2/10/2018</a:t>
+              <a:t>2/11/2018</a:t>
             </a:fld>
             <a:endParaRPr lang="en-US" dirty="0"/>
           </a:p>
@@ -8299,7 +8299,7 @@
           <a:p>
             <a:fld id="{48A87A34-81AB-432B-8DAE-1953F412C126}" type="datetimeFigureOut">
               <a:rPr lang="en-US" dirty="0"/>
-              <a:t>2/10/2018</a:t>
+              <a:t>2/11/2018</a:t>
             </a:fld>
             <a:endParaRPr lang="en-US" dirty="0"/>
           </a:p>
@@ -8526,7 +8526,7 @@
           <a:p>
             <a:fld id="{48A87A34-81AB-432B-8DAE-1953F412C126}" type="datetimeFigureOut">
               <a:rPr lang="en-US" dirty="0"/>
-              <a:t>2/10/2018</a:t>
+              <a:t>2/11/2018</a:t>
             </a:fld>
             <a:endParaRPr lang="en-US" dirty="0"/>
           </a:p>
@@ -8902,7 +8902,7 @@
           <a:p>
             <a:fld id="{48A87A34-81AB-432B-8DAE-1953F412C126}" type="datetimeFigureOut">
               <a:rPr lang="en-US" dirty="0"/>
-              <a:t>2/10/2018</a:t>
+              <a:t>2/11/2018</a:t>
             </a:fld>
             <a:endParaRPr lang="en-US" dirty="0"/>
           </a:p>
@@ -9015,7 +9015,7 @@
           <a:p>
             <a:fld id="{48A87A34-81AB-432B-8DAE-1953F412C126}" type="datetimeFigureOut">
               <a:rPr lang="en-US" dirty="0"/>
-              <a:t>2/10/2018</a:t>
+              <a:t>2/11/2018</a:t>
             </a:fld>
             <a:endParaRPr lang="en-US" dirty="0"/>
           </a:p>
@@ -9105,7 +9105,7 @@
           <a:p>
             <a:fld id="{48A87A34-81AB-432B-8DAE-1953F412C126}" type="datetimeFigureOut">
               <a:rPr lang="en-US" dirty="0"/>
-              <a:t>2/10/2018</a:t>
+              <a:t>2/11/2018</a:t>
             </a:fld>
             <a:endParaRPr lang="en-US" dirty="0"/>
           </a:p>
@@ -9349,7 +9349,7 @@
           <a:p>
             <a:fld id="{48A87A34-81AB-432B-8DAE-1953F412C126}" type="datetimeFigureOut">
               <a:rPr lang="en-US" dirty="0"/>
-              <a:t>2/10/2018</a:t>
+              <a:t>2/11/2018</a:t>
             </a:fld>
             <a:endParaRPr lang="en-US" dirty="0"/>
           </a:p>
@@ -9624,7 +9624,7 @@
           <a:p>
             <a:fld id="{48A87A34-81AB-432B-8DAE-1953F412C126}" type="datetimeFigureOut">
               <a:rPr lang="en-US" dirty="0"/>
-              <a:t>2/10/2018</a:t>
+              <a:t>2/11/2018</a:t>
             </a:fld>
             <a:endParaRPr lang="en-US" dirty="0"/>
           </a:p>
@@ -12697,7 +12697,7 @@
             <a:fld id="{48A87A34-81AB-432B-8DAE-1953F412C126}" type="datetimeFigureOut">
               <a:rPr lang="en-US" dirty="0"/>
               <a:pPr/>
-              <a:t>2/10/2018</a:t>
+              <a:t>2/11/2018</a:t>
             </a:fld>
             <a:endParaRPr lang="en-US" dirty="0"/>
           </a:p>
@@ -13118,7 +13118,7 @@
           <p:cNvPr id="2" name="Title 1">
             <a:extLst>
               <a:ext uri="{FF2B5EF4-FFF2-40B4-BE49-F238E27FC236}">
-                <a16:creationId xmlns:a16="http://schemas.microsoft.com/office/drawing/2014/main" id="{19368372-C554-4721-B6CC-3D0DFFFDF14C}"/>
+                <a16:creationId xmlns:a16="http://schemas.microsoft.com/office/drawing/2014/main" xmlns="" id="{19368372-C554-4721-B6CC-3D0DFFFDF14C}"/>
               </a:ext>
             </a:extLst>
           </p:cNvPr>
@@ -13147,9 +13147,18 @@
               <a:rPr lang="en-SG" dirty="0"/>
             </a:br>
             <a:r>
-              <a:rPr lang="en-SG" dirty="0"/>
-              <a:t>Assignment 1	</a:t>
+              <a:rPr lang="en-SG"/>
+              <a:t>Assignment </a:t>
             </a:r>
+            <a:r>
+              <a:rPr lang="en-SG" smtClean="0"/>
+              <a:t>1</a:t>
+            </a:r>
+            <a:r>
+              <a:rPr lang="en-SG" smtClean="0"/>
+              <a:t>Changes</a:t>
+            </a:r>
+            <a:endParaRPr lang="en-SG" dirty="0"/>
           </a:p>
         </p:txBody>
       </p:sp>
@@ -13158,7 +13167,7 @@
           <p:cNvPr id="3" name="Subtitle 2">
             <a:extLst>
               <a:ext uri="{FF2B5EF4-FFF2-40B4-BE49-F238E27FC236}">
-                <a16:creationId xmlns:a16="http://schemas.microsoft.com/office/drawing/2014/main" id="{97FA7A50-047B-4C15-9B62-9F98E4749293}"/>
+                <a16:creationId xmlns:a16="http://schemas.microsoft.com/office/drawing/2014/main" xmlns="" id="{97FA7A50-047B-4C15-9B62-9F98E4749293}"/>
               </a:ext>
             </a:extLst>
           </p:cNvPr>
@@ -13294,7 +13303,7 @@
           <p:cNvPr id="2" name="Title 1">
             <a:extLst>
               <a:ext uri="{FF2B5EF4-FFF2-40B4-BE49-F238E27FC236}">
-                <a16:creationId xmlns:a16="http://schemas.microsoft.com/office/drawing/2014/main" id="{5DD6623E-41BE-4982-BD4F-91D9394FFE16}"/>
+                <a16:creationId xmlns:a16="http://schemas.microsoft.com/office/drawing/2014/main" xmlns="" id="{5DD6623E-41BE-4982-BD4F-91D9394FFE16}"/>
               </a:ext>
             </a:extLst>
           </p:cNvPr>
@@ -13327,7 +13336,7 @@
           <p:cNvPr id="4" name="Picture 3">
             <a:extLst>
               <a:ext uri="{FF2B5EF4-FFF2-40B4-BE49-F238E27FC236}">
-                <a16:creationId xmlns:a16="http://schemas.microsoft.com/office/drawing/2014/main" id="{4F66B0FA-A3E2-4EA7-B678-41553F4BD625}"/>
+                <a16:creationId xmlns:a16="http://schemas.microsoft.com/office/drawing/2014/main" xmlns="" id="{4F66B0FA-A3E2-4EA7-B678-41553F4BD625}"/>
               </a:ext>
             </a:extLst>
           </p:cNvPr>
@@ -13387,7 +13396,7 @@
           <p:cNvPr id="2" name="Title 1">
             <a:extLst>
               <a:ext uri="{FF2B5EF4-FFF2-40B4-BE49-F238E27FC236}">
-                <a16:creationId xmlns:a16="http://schemas.microsoft.com/office/drawing/2014/main" id="{9E89B9EB-2ECF-4956-B82E-11EC4835A27C}"/>
+                <a16:creationId xmlns:a16="http://schemas.microsoft.com/office/drawing/2014/main" xmlns="" id="{9E89B9EB-2ECF-4956-B82E-11EC4835A27C}"/>
               </a:ext>
             </a:extLst>
           </p:cNvPr>
@@ -13420,7 +13429,7 @@
           <p:cNvPr id="4" name="Picture 3">
             <a:extLst>
               <a:ext uri="{FF2B5EF4-FFF2-40B4-BE49-F238E27FC236}">
-                <a16:creationId xmlns:a16="http://schemas.microsoft.com/office/drawing/2014/main" id="{C3842E84-A5C1-4047-B89E-36C2F31B182F}"/>
+                <a16:creationId xmlns:a16="http://schemas.microsoft.com/office/drawing/2014/main" xmlns="" id="{C3842E84-A5C1-4047-B89E-36C2F31B182F}"/>
               </a:ext>
             </a:extLst>
           </p:cNvPr>
@@ -13480,7 +13489,7 @@
           <p:cNvPr id="2" name="Title 1">
             <a:extLst>
               <a:ext uri="{FF2B5EF4-FFF2-40B4-BE49-F238E27FC236}">
-                <a16:creationId xmlns:a16="http://schemas.microsoft.com/office/drawing/2014/main" id="{67E3BA3B-49AA-4EDE-BF17-ACAE7257A622}"/>
+                <a16:creationId xmlns:a16="http://schemas.microsoft.com/office/drawing/2014/main" xmlns="" id="{67E3BA3B-49AA-4EDE-BF17-ACAE7257A622}"/>
               </a:ext>
             </a:extLst>
           </p:cNvPr>
@@ -13513,7 +13522,7 @@
           <p:cNvPr id="4" name="Picture 3">
             <a:extLst>
               <a:ext uri="{FF2B5EF4-FFF2-40B4-BE49-F238E27FC236}">
-                <a16:creationId xmlns:a16="http://schemas.microsoft.com/office/drawing/2014/main" id="{C0056D80-1688-459B-9F2A-4B4594DC5A03}"/>
+                <a16:creationId xmlns:a16="http://schemas.microsoft.com/office/drawing/2014/main" xmlns="" id="{C0056D80-1688-459B-9F2A-4B4594DC5A03}"/>
               </a:ext>
             </a:extLst>
           </p:cNvPr>
@@ -13573,7 +13582,7 @@
           <p:cNvPr id="2" name="Title 1">
             <a:extLst>
               <a:ext uri="{FF2B5EF4-FFF2-40B4-BE49-F238E27FC236}">
-                <a16:creationId xmlns:a16="http://schemas.microsoft.com/office/drawing/2014/main" id="{918D7D86-82FE-4A0D-94F9-0E9B2473D628}"/>
+                <a16:creationId xmlns:a16="http://schemas.microsoft.com/office/drawing/2014/main" xmlns="" id="{918D7D86-82FE-4A0D-94F9-0E9B2473D628}"/>
               </a:ext>
             </a:extLst>
           </p:cNvPr>
@@ -13606,7 +13615,7 @@
           <p:cNvPr id="4" name="Picture 3">
             <a:extLst>
               <a:ext uri="{FF2B5EF4-FFF2-40B4-BE49-F238E27FC236}">
-                <a16:creationId xmlns:a16="http://schemas.microsoft.com/office/drawing/2014/main" id="{D24AB961-D958-4A83-AD24-C78B11A63A06}"/>
+                <a16:creationId xmlns:a16="http://schemas.microsoft.com/office/drawing/2014/main" xmlns="" id="{D24AB961-D958-4A83-AD24-C78B11A63A06}"/>
               </a:ext>
             </a:extLst>
           </p:cNvPr>
@@ -13666,7 +13675,7 @@
           <p:cNvPr id="2" name="Title 1">
             <a:extLst>
               <a:ext uri="{FF2B5EF4-FFF2-40B4-BE49-F238E27FC236}">
-                <a16:creationId xmlns:a16="http://schemas.microsoft.com/office/drawing/2014/main" id="{C9C0F033-D5DC-4866-8481-0D795B8233C8}"/>
+                <a16:creationId xmlns:a16="http://schemas.microsoft.com/office/drawing/2014/main" xmlns="" id="{C9C0F033-D5DC-4866-8481-0D795B8233C8}"/>
               </a:ext>
             </a:extLst>
           </p:cNvPr>
@@ -13699,7 +13708,7 @@
           <p:cNvPr id="4" name="Picture 3">
             <a:extLst>
               <a:ext uri="{FF2B5EF4-FFF2-40B4-BE49-F238E27FC236}">
-                <a16:creationId xmlns:a16="http://schemas.microsoft.com/office/drawing/2014/main" id="{032B6B54-ED13-4340-9F62-665372B41451}"/>
+                <a16:creationId xmlns:a16="http://schemas.microsoft.com/office/drawing/2014/main" xmlns="" id="{032B6B54-ED13-4340-9F62-665372B41451}"/>
               </a:ext>
             </a:extLst>
           </p:cNvPr>
@@ -13759,7 +13768,7 @@
           <p:cNvPr id="2" name="Title 1">
             <a:extLst>
               <a:ext uri="{FF2B5EF4-FFF2-40B4-BE49-F238E27FC236}">
-                <a16:creationId xmlns:a16="http://schemas.microsoft.com/office/drawing/2014/main" id="{EFE55CF7-C844-4EAA-8F41-60634164BF01}"/>
+                <a16:creationId xmlns:a16="http://schemas.microsoft.com/office/drawing/2014/main" xmlns="" id="{EFE55CF7-C844-4EAA-8F41-60634164BF01}"/>
               </a:ext>
             </a:extLst>
           </p:cNvPr>
@@ -13792,7 +13801,7 @@
           <p:cNvPr id="4" name="Picture 3">
             <a:extLst>
               <a:ext uri="{FF2B5EF4-FFF2-40B4-BE49-F238E27FC236}">
-                <a16:creationId xmlns:a16="http://schemas.microsoft.com/office/drawing/2014/main" id="{86811275-0FA1-426C-9B55-D81ABFBA9B31}"/>
+                <a16:creationId xmlns:a16="http://schemas.microsoft.com/office/drawing/2014/main" xmlns="" id="{86811275-0FA1-426C-9B55-D81ABFBA9B31}"/>
               </a:ext>
             </a:extLst>
           </p:cNvPr>
@@ -13852,7 +13861,7 @@
           <p:cNvPr id="2" name="Title 1">
             <a:extLst>
               <a:ext uri="{FF2B5EF4-FFF2-40B4-BE49-F238E27FC236}">
-                <a16:creationId xmlns:a16="http://schemas.microsoft.com/office/drawing/2014/main" id="{F98505C8-3D8F-4C72-9EB8-0D03E3915937}"/>
+                <a16:creationId xmlns:a16="http://schemas.microsoft.com/office/drawing/2014/main" xmlns="" id="{F98505C8-3D8F-4C72-9EB8-0D03E3915937}"/>
               </a:ext>
             </a:extLst>
           </p:cNvPr>
@@ -13885,7 +13894,7 @@
           <p:cNvPr id="4" name="Picture 3">
             <a:extLst>
               <a:ext uri="{FF2B5EF4-FFF2-40B4-BE49-F238E27FC236}">
-                <a16:creationId xmlns:a16="http://schemas.microsoft.com/office/drawing/2014/main" id="{8982F9AF-051F-47E1-9A16-D72B8B85F294}"/>
+                <a16:creationId xmlns:a16="http://schemas.microsoft.com/office/drawing/2014/main" xmlns="" id="{8982F9AF-051F-47E1-9A16-D72B8B85F294}"/>
               </a:ext>
             </a:extLst>
           </p:cNvPr>
@@ -13945,7 +13954,7 @@
           <p:cNvPr id="2" name="Title 1">
             <a:extLst>
               <a:ext uri="{FF2B5EF4-FFF2-40B4-BE49-F238E27FC236}">
-                <a16:creationId xmlns:a16="http://schemas.microsoft.com/office/drawing/2014/main" id="{70161C16-859B-4C56-80DD-E6781D298564}"/>
+                <a16:creationId xmlns:a16="http://schemas.microsoft.com/office/drawing/2014/main" xmlns="" id="{70161C16-859B-4C56-80DD-E6781D298564}"/>
               </a:ext>
             </a:extLst>
           </p:cNvPr>
@@ -13978,7 +13987,7 @@
           <p:cNvPr id="4" name="Picture 3">
             <a:extLst>
               <a:ext uri="{FF2B5EF4-FFF2-40B4-BE49-F238E27FC236}">
-                <a16:creationId xmlns:a16="http://schemas.microsoft.com/office/drawing/2014/main" id="{A2CF05A8-7BB6-4A60-BDE5-D01F2B2F0258}"/>
+                <a16:creationId xmlns:a16="http://schemas.microsoft.com/office/drawing/2014/main" xmlns="" id="{A2CF05A8-7BB6-4A60-BDE5-D01F2B2F0258}"/>
               </a:ext>
             </a:extLst>
           </p:cNvPr>
@@ -14038,7 +14047,7 @@
           <p:cNvPr id="2" name="Title 1">
             <a:extLst>
               <a:ext uri="{FF2B5EF4-FFF2-40B4-BE49-F238E27FC236}">
-                <a16:creationId xmlns:a16="http://schemas.microsoft.com/office/drawing/2014/main" id="{C1DFF2F8-E3C2-4B4F-B7AC-DACE13404E24}"/>
+                <a16:creationId xmlns:a16="http://schemas.microsoft.com/office/drawing/2014/main" xmlns="" id="{C1DFF2F8-E3C2-4B4F-B7AC-DACE13404E24}"/>
               </a:ext>
             </a:extLst>
           </p:cNvPr>
@@ -14071,7 +14080,7 @@
           <p:cNvPr id="4" name="Picture 3">
             <a:extLst>
               <a:ext uri="{FF2B5EF4-FFF2-40B4-BE49-F238E27FC236}">
-                <a16:creationId xmlns:a16="http://schemas.microsoft.com/office/drawing/2014/main" id="{F06EDA5E-24C4-4EC8-A8E3-7DB314474203}"/>
+                <a16:creationId xmlns:a16="http://schemas.microsoft.com/office/drawing/2014/main" xmlns="" id="{F06EDA5E-24C4-4EC8-A8E3-7DB314474203}"/>
               </a:ext>
             </a:extLst>
           </p:cNvPr>
@@ -14131,7 +14140,7 @@
           <p:cNvPr id="2" name="Title 1">
             <a:extLst>
               <a:ext uri="{FF2B5EF4-FFF2-40B4-BE49-F238E27FC236}">
-                <a16:creationId xmlns:a16="http://schemas.microsoft.com/office/drawing/2014/main" id="{75616644-5742-4596-B3A9-2D5A35734152}"/>
+                <a16:creationId xmlns:a16="http://schemas.microsoft.com/office/drawing/2014/main" xmlns="" id="{75616644-5742-4596-B3A9-2D5A35734152}"/>
               </a:ext>
             </a:extLst>
           </p:cNvPr>
@@ -14164,7 +14173,7 @@
           <p:cNvPr id="4" name="Picture 3">
             <a:extLst>
               <a:ext uri="{FF2B5EF4-FFF2-40B4-BE49-F238E27FC236}">
-                <a16:creationId xmlns:a16="http://schemas.microsoft.com/office/drawing/2014/main" id="{8C1EC5CA-BC27-457B-A863-38F366FFEABD}"/>
+                <a16:creationId xmlns:a16="http://schemas.microsoft.com/office/drawing/2014/main" xmlns="" id="{8C1EC5CA-BC27-457B-A863-38F366FFEABD}"/>
               </a:ext>
             </a:extLst>
           </p:cNvPr>
@@ -14224,7 +14233,7 @@
           <p:cNvPr id="2" name="Title 1">
             <a:extLst>
               <a:ext uri="{FF2B5EF4-FFF2-40B4-BE49-F238E27FC236}">
-                <a16:creationId xmlns:a16="http://schemas.microsoft.com/office/drawing/2014/main" id="{6557F6BA-59B3-467B-8014-D0BAE00701C5}"/>
+                <a16:creationId xmlns:a16="http://schemas.microsoft.com/office/drawing/2014/main" xmlns="" id="{6557F6BA-59B3-467B-8014-D0BAE00701C5}"/>
               </a:ext>
             </a:extLst>
           </p:cNvPr>
@@ -14257,7 +14266,7 @@
           <p:cNvPr id="3" name="Content Placeholder 2">
             <a:extLst>
               <a:ext uri="{FF2B5EF4-FFF2-40B4-BE49-F238E27FC236}">
-                <a16:creationId xmlns:a16="http://schemas.microsoft.com/office/drawing/2014/main" id="{6F3B8418-518B-454A-BFF0-B91C6C7C04A3}"/>
+                <a16:creationId xmlns:a16="http://schemas.microsoft.com/office/drawing/2014/main" xmlns="" id="{6F3B8418-518B-454A-BFF0-B91C6C7C04A3}"/>
               </a:ext>
             </a:extLst>
           </p:cNvPr>
@@ -14389,7 +14398,7 @@
           <p:cNvPr id="2" name="Title 1">
             <a:extLst>
               <a:ext uri="{FF2B5EF4-FFF2-40B4-BE49-F238E27FC236}">
-                <a16:creationId xmlns:a16="http://schemas.microsoft.com/office/drawing/2014/main" id="{A11988A4-D371-4188-8047-E5AA9416A888}"/>
+                <a16:creationId xmlns:a16="http://schemas.microsoft.com/office/drawing/2014/main" xmlns="" id="{A11988A4-D371-4188-8047-E5AA9416A888}"/>
               </a:ext>
             </a:extLst>
           </p:cNvPr>
@@ -14422,7 +14431,7 @@
           <p:cNvPr id="4" name="Picture 3">
             <a:extLst>
               <a:ext uri="{FF2B5EF4-FFF2-40B4-BE49-F238E27FC236}">
-                <a16:creationId xmlns:a16="http://schemas.microsoft.com/office/drawing/2014/main" id="{67C7D604-CA33-481F-9FD4-02EF6DB3A4A1}"/>
+                <a16:creationId xmlns:a16="http://schemas.microsoft.com/office/drawing/2014/main" xmlns="" id="{67C7D604-CA33-481F-9FD4-02EF6DB3A4A1}"/>
               </a:ext>
             </a:extLst>
           </p:cNvPr>
@@ -14482,7 +14491,7 @@
           <p:cNvPr id="2" name="Title 1">
             <a:extLst>
               <a:ext uri="{FF2B5EF4-FFF2-40B4-BE49-F238E27FC236}">
-                <a16:creationId xmlns:a16="http://schemas.microsoft.com/office/drawing/2014/main" id="{F440FA7D-C8DB-40DB-888C-504B58B119CA}"/>
+                <a16:creationId xmlns:a16="http://schemas.microsoft.com/office/drawing/2014/main" xmlns="" id="{F440FA7D-C8DB-40DB-888C-504B58B119CA}"/>
               </a:ext>
             </a:extLst>
           </p:cNvPr>
@@ -14591,7 +14600,7 @@
           <p:cNvPr id="2" name="Title 1">
             <a:extLst>
               <a:ext uri="{FF2B5EF4-FFF2-40B4-BE49-F238E27FC236}">
-                <a16:creationId xmlns:a16="http://schemas.microsoft.com/office/drawing/2014/main" id="{931240E2-CBB2-4F26-9D15-95190735BA3E}"/>
+                <a16:creationId xmlns:a16="http://schemas.microsoft.com/office/drawing/2014/main" xmlns="" id="{931240E2-CBB2-4F26-9D15-95190735BA3E}"/>
               </a:ext>
             </a:extLst>
           </p:cNvPr>
@@ -14694,7 +14703,7 @@
           <p:cNvPr id="2" name="Title 1">
             <a:extLst>
               <a:ext uri="{FF2B5EF4-FFF2-40B4-BE49-F238E27FC236}">
-                <a16:creationId xmlns:a16="http://schemas.microsoft.com/office/drawing/2014/main" id="{E8422BE4-3387-4124-8622-E9B0ADD2AC74}"/>
+                <a16:creationId xmlns:a16="http://schemas.microsoft.com/office/drawing/2014/main" xmlns="" id="{E8422BE4-3387-4124-8622-E9B0ADD2AC74}"/>
               </a:ext>
             </a:extLst>
           </p:cNvPr>
@@ -14727,7 +14736,7 @@
           <p:cNvPr id="1026" name="Picture 2" descr="Tentative Class Diagram_Ite1">
             <a:extLst>
               <a:ext uri="{FF2B5EF4-FFF2-40B4-BE49-F238E27FC236}">
-                <a16:creationId xmlns:a16="http://schemas.microsoft.com/office/drawing/2014/main" id="{C058FDD7-0B89-4203-B754-B1AEFF528A48}"/>
+                <a16:creationId xmlns:a16="http://schemas.microsoft.com/office/drawing/2014/main" xmlns="" id="{C058FDD7-0B89-4203-B754-B1AEFF528A48}"/>
               </a:ext>
             </a:extLst>
           </p:cNvPr>
@@ -14817,7 +14826,7 @@
           <p:cNvPr id="2" name="Title 1">
             <a:extLst>
               <a:ext uri="{FF2B5EF4-FFF2-40B4-BE49-F238E27FC236}">
-                <a16:creationId xmlns:a16="http://schemas.microsoft.com/office/drawing/2014/main" id="{64318952-509D-4D12-B4CC-E5130BD232D2}"/>
+                <a16:creationId xmlns:a16="http://schemas.microsoft.com/office/drawing/2014/main" xmlns="" id="{64318952-509D-4D12-B4CC-E5130BD232D2}"/>
               </a:ext>
             </a:extLst>
           </p:cNvPr>
@@ -14850,7 +14859,7 @@
           <p:cNvPr id="2050" name="Picture 2" descr="Tentative Class Diagram_050218">
             <a:extLst>
               <a:ext uri="{FF2B5EF4-FFF2-40B4-BE49-F238E27FC236}">
-                <a16:creationId xmlns:a16="http://schemas.microsoft.com/office/drawing/2014/main" id="{F21F3584-9D92-4159-9F91-4687503A545F}"/>
+                <a16:creationId xmlns:a16="http://schemas.microsoft.com/office/drawing/2014/main" xmlns="" id="{F21F3584-9D92-4159-9F91-4687503A545F}"/>
               </a:ext>
             </a:extLst>
           </p:cNvPr>
@@ -14940,7 +14949,7 @@
           <p:cNvPr id="2" name="Title 1">
             <a:extLst>
               <a:ext uri="{FF2B5EF4-FFF2-40B4-BE49-F238E27FC236}">
-                <a16:creationId xmlns:a16="http://schemas.microsoft.com/office/drawing/2014/main" id="{E6B9DC06-5907-4A7A-A2A0-7F12CE73BCAA}"/>
+                <a16:creationId xmlns:a16="http://schemas.microsoft.com/office/drawing/2014/main" xmlns="" id="{E6B9DC06-5907-4A7A-A2A0-7F12CE73BCAA}"/>
               </a:ext>
             </a:extLst>
           </p:cNvPr>
@@ -14973,7 +14982,7 @@
           <p:cNvPr id="3074" name="Picture 2" descr="class diagram_10022018">
             <a:extLst>
               <a:ext uri="{FF2B5EF4-FFF2-40B4-BE49-F238E27FC236}">
-                <a16:creationId xmlns:a16="http://schemas.microsoft.com/office/drawing/2014/main" id="{10F0C1CA-E71C-4854-B64E-C19DA0D7A569}"/>
+                <a16:creationId xmlns:a16="http://schemas.microsoft.com/office/drawing/2014/main" xmlns="" id="{10F0C1CA-E71C-4854-B64E-C19DA0D7A569}"/>
               </a:ext>
             </a:extLst>
           </p:cNvPr>
@@ -15063,7 +15072,7 @@
           <p:cNvPr id="2" name="Title 1">
             <a:extLst>
               <a:ext uri="{FF2B5EF4-FFF2-40B4-BE49-F238E27FC236}">
-                <a16:creationId xmlns:a16="http://schemas.microsoft.com/office/drawing/2014/main" id="{C8442200-C7A0-4362-AEAE-7303459F783B}"/>
+                <a16:creationId xmlns:a16="http://schemas.microsoft.com/office/drawing/2014/main" xmlns="" id="{C8442200-C7A0-4362-AEAE-7303459F783B}"/>
               </a:ext>
             </a:extLst>
           </p:cNvPr>
@@ -15091,7 +15100,7 @@
           <p:cNvPr id="3" name="Content Placeholder 2">
             <a:extLst>
               <a:ext uri="{FF2B5EF4-FFF2-40B4-BE49-F238E27FC236}">
-                <a16:creationId xmlns:a16="http://schemas.microsoft.com/office/drawing/2014/main" id="{15E4EA12-CCD1-4DDE-9E0C-02003F0DBE1F}"/>
+                <a16:creationId xmlns:a16="http://schemas.microsoft.com/office/drawing/2014/main" xmlns="" id="{15E4EA12-CCD1-4DDE-9E0C-02003F0DBE1F}"/>
               </a:ext>
             </a:extLst>
           </p:cNvPr>
@@ -15289,7 +15298,7 @@
           <p:cNvPr id="2" name="Title 1">
             <a:extLst>
               <a:ext uri="{FF2B5EF4-FFF2-40B4-BE49-F238E27FC236}">
-                <a16:creationId xmlns:a16="http://schemas.microsoft.com/office/drawing/2014/main" id="{2ED0F500-F672-461D-8A6A-7E542C095B40}"/>
+                <a16:creationId xmlns:a16="http://schemas.microsoft.com/office/drawing/2014/main" xmlns="" id="{2ED0F500-F672-461D-8A6A-7E542C095B40}"/>
               </a:ext>
             </a:extLst>
           </p:cNvPr>
@@ -15317,7 +15326,7 @@
           <p:cNvPr id="3" name="Content Placeholder 2">
             <a:extLst>
               <a:ext uri="{FF2B5EF4-FFF2-40B4-BE49-F238E27FC236}">
-                <a16:creationId xmlns:a16="http://schemas.microsoft.com/office/drawing/2014/main" id="{3BCD8905-A1E8-47B4-8CE5-879F4AF3FE01}"/>
+                <a16:creationId xmlns:a16="http://schemas.microsoft.com/office/drawing/2014/main" xmlns="" id="{3BCD8905-A1E8-47B4-8CE5-879F4AF3FE01}"/>
               </a:ext>
             </a:extLst>
           </p:cNvPr>
@@ -15434,7 +15443,7 @@
           <p:cNvPr id="2" name="Title 1">
             <a:extLst>
               <a:ext uri="{FF2B5EF4-FFF2-40B4-BE49-F238E27FC236}">
-                <a16:creationId xmlns:a16="http://schemas.microsoft.com/office/drawing/2014/main" id="{65795CE7-6ED8-405E-8DC9-77F80817BB05}"/>
+                <a16:creationId xmlns:a16="http://schemas.microsoft.com/office/drawing/2014/main" xmlns="" id="{65795CE7-6ED8-405E-8DC9-77F80817BB05}"/>
               </a:ext>
             </a:extLst>
           </p:cNvPr>
@@ -15462,7 +15471,7 @@
           <p:cNvPr id="4" name="Picture 3">
             <a:extLst>
               <a:ext uri="{FF2B5EF4-FFF2-40B4-BE49-F238E27FC236}">
-                <a16:creationId xmlns:a16="http://schemas.microsoft.com/office/drawing/2014/main" id="{5C3431DD-B1D4-46A3-A208-52237CA5B2F8}"/>
+                <a16:creationId xmlns:a16="http://schemas.microsoft.com/office/drawing/2014/main" xmlns="" id="{5C3431DD-B1D4-46A3-A208-52237CA5B2F8}"/>
               </a:ext>
             </a:extLst>
           </p:cNvPr>
@@ -15522,7 +15531,7 @@
           <p:cNvPr id="2" name="Title 1">
             <a:extLst>
               <a:ext uri="{FF2B5EF4-FFF2-40B4-BE49-F238E27FC236}">
-                <a16:creationId xmlns:a16="http://schemas.microsoft.com/office/drawing/2014/main" id="{3087D121-EC1D-4BE0-9103-20E589EB3624}"/>
+                <a16:creationId xmlns:a16="http://schemas.microsoft.com/office/drawing/2014/main" xmlns="" id="{3087D121-EC1D-4BE0-9103-20E589EB3624}"/>
               </a:ext>
             </a:extLst>
           </p:cNvPr>
@@ -15555,7 +15564,7 @@
           <p:cNvPr id="4" name="Picture 3">
             <a:extLst>
               <a:ext uri="{FF2B5EF4-FFF2-40B4-BE49-F238E27FC236}">
-                <a16:creationId xmlns:a16="http://schemas.microsoft.com/office/drawing/2014/main" id="{1DD5FC30-7398-43DB-84FC-8336204A751A}"/>
+                <a16:creationId xmlns:a16="http://schemas.microsoft.com/office/drawing/2014/main" xmlns="" id="{1DD5FC30-7398-43DB-84FC-8336204A751A}"/>
               </a:ext>
             </a:extLst>
           </p:cNvPr>
@@ -15615,7 +15624,7 @@
           <p:cNvPr id="2" name="Title 1">
             <a:extLst>
               <a:ext uri="{FF2B5EF4-FFF2-40B4-BE49-F238E27FC236}">
-                <a16:creationId xmlns:a16="http://schemas.microsoft.com/office/drawing/2014/main" id="{0E24A16B-074C-4319-ABC2-B63CB1A54B46}"/>
+                <a16:creationId xmlns:a16="http://schemas.microsoft.com/office/drawing/2014/main" xmlns="" id="{0E24A16B-074C-4319-ABC2-B63CB1A54B46}"/>
               </a:ext>
             </a:extLst>
           </p:cNvPr>
@@ -15648,7 +15657,7 @@
           <p:cNvPr id="4" name="Picture 3">
             <a:extLst>
               <a:ext uri="{FF2B5EF4-FFF2-40B4-BE49-F238E27FC236}">
-                <a16:creationId xmlns:a16="http://schemas.microsoft.com/office/drawing/2014/main" id="{8AAC6ABC-CC16-4CD2-945E-596A26F15CBC}"/>
+                <a16:creationId xmlns:a16="http://schemas.microsoft.com/office/drawing/2014/main" xmlns="" id="{8AAC6ABC-CC16-4CD2-945E-596A26F15CBC}"/>
               </a:ext>
             </a:extLst>
           </p:cNvPr>
@@ -15708,7 +15717,7 @@
           <p:cNvPr id="2" name="Title 1">
             <a:extLst>
               <a:ext uri="{FF2B5EF4-FFF2-40B4-BE49-F238E27FC236}">
-                <a16:creationId xmlns:a16="http://schemas.microsoft.com/office/drawing/2014/main" id="{18E4716E-979F-4593-9815-30B6ECD020F4}"/>
+                <a16:creationId xmlns:a16="http://schemas.microsoft.com/office/drawing/2014/main" xmlns="" id="{18E4716E-979F-4593-9815-30B6ECD020F4}"/>
               </a:ext>
             </a:extLst>
           </p:cNvPr>
@@ -15741,7 +15750,7 @@
           <p:cNvPr id="6" name="Picture 5">
             <a:extLst>
               <a:ext uri="{FF2B5EF4-FFF2-40B4-BE49-F238E27FC236}">
-                <a16:creationId xmlns:a16="http://schemas.microsoft.com/office/drawing/2014/main" id="{8E8477ED-FEA6-4B8A-A885-40C390D4E46F}"/>
+                <a16:creationId xmlns:a16="http://schemas.microsoft.com/office/drawing/2014/main" xmlns="" id="{8E8477ED-FEA6-4B8A-A885-40C390D4E46F}"/>
               </a:ext>
             </a:extLst>
           </p:cNvPr>
@@ -15801,7 +15810,7 @@
           <p:cNvPr id="2" name="Title 1">
             <a:extLst>
               <a:ext uri="{FF2B5EF4-FFF2-40B4-BE49-F238E27FC236}">
-                <a16:creationId xmlns:a16="http://schemas.microsoft.com/office/drawing/2014/main" id="{D8E625DF-107C-4928-8102-93D901EDD2EC}"/>
+                <a16:creationId xmlns:a16="http://schemas.microsoft.com/office/drawing/2014/main" xmlns="" id="{D8E625DF-107C-4928-8102-93D901EDD2EC}"/>
               </a:ext>
             </a:extLst>
           </p:cNvPr>
@@ -15834,7 +15843,7 @@
           <p:cNvPr id="6" name="Picture 5">
             <a:extLst>
               <a:ext uri="{FF2B5EF4-FFF2-40B4-BE49-F238E27FC236}">
-                <a16:creationId xmlns:a16="http://schemas.microsoft.com/office/drawing/2014/main" id="{41A8C729-1A79-407C-B079-F4C207D437F4}"/>
+                <a16:creationId xmlns:a16="http://schemas.microsoft.com/office/drawing/2014/main" xmlns="" id="{41A8C729-1A79-407C-B079-F4C207D437F4}"/>
               </a:ext>
             </a:extLst>
           </p:cNvPr>
@@ -15894,7 +15903,7 @@
           <p:cNvPr id="2" name="Title 1">
             <a:extLst>
               <a:ext uri="{FF2B5EF4-FFF2-40B4-BE49-F238E27FC236}">
-                <a16:creationId xmlns:a16="http://schemas.microsoft.com/office/drawing/2014/main" id="{94096A5F-43C8-4798-AED2-BE8B883AC624}"/>
+                <a16:creationId xmlns:a16="http://schemas.microsoft.com/office/drawing/2014/main" xmlns="" id="{94096A5F-43C8-4798-AED2-BE8B883AC624}"/>
               </a:ext>
             </a:extLst>
           </p:cNvPr>
@@ -15927,7 +15936,7 @@
           <p:cNvPr id="6" name="Picture 5">
             <a:extLst>
               <a:ext uri="{FF2B5EF4-FFF2-40B4-BE49-F238E27FC236}">
-                <a16:creationId xmlns:a16="http://schemas.microsoft.com/office/drawing/2014/main" id="{0D348776-7092-4E8C-88BF-0878C083168B}"/>
+                <a16:creationId xmlns:a16="http://schemas.microsoft.com/office/drawing/2014/main" xmlns="" id="{0D348776-7092-4E8C-88BF-0878C083168B}"/>
               </a:ext>
             </a:extLst>
           </p:cNvPr>
